--- a/240315 LMU.pptx
+++ b/240315 LMU.pptx
@@ -330,7 +330,7 @@
           <a:p>
             <a:fld id="{AEDC195A-05C2-4574-9B7F-0324A4B1A207}" type="datetimeFigureOut">
               <a:rPr lang="ko-KR" altLang="en-US" smtClean="0"/>
-              <a:t>2024-03-14</a:t>
+              <a:t>2024-03-15</a:t>
             </a:fld>
             <a:endParaRPr lang="ko-KR" altLang="en-US"/>
           </a:p>
@@ -528,7 +528,7 @@
           <a:p>
             <a:fld id="{AEDC195A-05C2-4574-9B7F-0324A4B1A207}" type="datetimeFigureOut">
               <a:rPr lang="ko-KR" altLang="en-US" smtClean="0"/>
-              <a:t>2024-03-14</a:t>
+              <a:t>2024-03-15</a:t>
             </a:fld>
             <a:endParaRPr lang="ko-KR" altLang="en-US"/>
           </a:p>
@@ -736,7 +736,7 @@
           <a:p>
             <a:fld id="{AEDC195A-05C2-4574-9B7F-0324A4B1A207}" type="datetimeFigureOut">
               <a:rPr lang="ko-KR" altLang="en-US" smtClean="0"/>
-              <a:t>2024-03-14</a:t>
+              <a:t>2024-03-15</a:t>
             </a:fld>
             <a:endParaRPr lang="ko-KR" altLang="en-US"/>
           </a:p>
@@ -979,7 +979,7 @@
           <a:p>
             <a:fld id="{AEDC195A-05C2-4574-9B7F-0324A4B1A207}" type="datetimeFigureOut">
               <a:rPr lang="ko-KR" altLang="en-US" smtClean="0"/>
-              <a:t>2024-03-14</a:t>
+              <a:t>2024-03-15</a:t>
             </a:fld>
             <a:endParaRPr lang="ko-KR" altLang="en-US"/>
           </a:p>
@@ -1254,7 +1254,7 @@
           <a:p>
             <a:fld id="{AEDC195A-05C2-4574-9B7F-0324A4B1A207}" type="datetimeFigureOut">
               <a:rPr lang="ko-KR" altLang="en-US" smtClean="0"/>
-              <a:t>2024-03-14</a:t>
+              <a:t>2024-03-15</a:t>
             </a:fld>
             <a:endParaRPr lang="ko-KR" altLang="en-US"/>
           </a:p>
@@ -1519,7 +1519,7 @@
           <a:p>
             <a:fld id="{AEDC195A-05C2-4574-9B7F-0324A4B1A207}" type="datetimeFigureOut">
               <a:rPr lang="ko-KR" altLang="en-US" smtClean="0"/>
-              <a:t>2024-03-14</a:t>
+              <a:t>2024-03-15</a:t>
             </a:fld>
             <a:endParaRPr lang="ko-KR" altLang="en-US"/>
           </a:p>
@@ -1931,7 +1931,7 @@
           <a:p>
             <a:fld id="{AEDC195A-05C2-4574-9B7F-0324A4B1A207}" type="datetimeFigureOut">
               <a:rPr lang="ko-KR" altLang="en-US" smtClean="0"/>
-              <a:t>2024-03-14</a:t>
+              <a:t>2024-03-15</a:t>
             </a:fld>
             <a:endParaRPr lang="ko-KR" altLang="en-US"/>
           </a:p>
@@ -2072,7 +2072,7 @@
           <a:p>
             <a:fld id="{AEDC195A-05C2-4574-9B7F-0324A4B1A207}" type="datetimeFigureOut">
               <a:rPr lang="ko-KR" altLang="en-US" smtClean="0"/>
-              <a:t>2024-03-14</a:t>
+              <a:t>2024-03-15</a:t>
             </a:fld>
             <a:endParaRPr lang="ko-KR" altLang="en-US"/>
           </a:p>
@@ -2185,7 +2185,7 @@
           <a:p>
             <a:fld id="{AEDC195A-05C2-4574-9B7F-0324A4B1A207}" type="datetimeFigureOut">
               <a:rPr lang="ko-KR" altLang="en-US" smtClean="0"/>
-              <a:t>2024-03-14</a:t>
+              <a:t>2024-03-15</a:t>
             </a:fld>
             <a:endParaRPr lang="ko-KR" altLang="en-US"/>
           </a:p>
@@ -2496,7 +2496,7 @@
           <a:p>
             <a:fld id="{AEDC195A-05C2-4574-9B7F-0324A4B1A207}" type="datetimeFigureOut">
               <a:rPr lang="ko-KR" altLang="en-US" smtClean="0"/>
-              <a:t>2024-03-14</a:t>
+              <a:t>2024-03-15</a:t>
             </a:fld>
             <a:endParaRPr lang="ko-KR" altLang="en-US"/>
           </a:p>
@@ -2784,7 +2784,7 @@
           <a:p>
             <a:fld id="{AEDC195A-05C2-4574-9B7F-0324A4B1A207}" type="datetimeFigureOut">
               <a:rPr lang="ko-KR" altLang="en-US" smtClean="0"/>
-              <a:t>2024-03-14</a:t>
+              <a:t>2024-03-15</a:t>
             </a:fld>
             <a:endParaRPr lang="ko-KR" altLang="en-US"/>
           </a:p>
@@ -3025,7 +3025,7 @@
           <a:p>
             <a:fld id="{AEDC195A-05C2-4574-9B7F-0324A4B1A207}" type="datetimeFigureOut">
               <a:rPr lang="ko-KR" altLang="en-US" smtClean="0"/>
-              <a:t>2024-03-14</a:t>
+              <a:t>2024-03-15</a:t>
             </a:fld>
             <a:endParaRPr lang="ko-KR" altLang="en-US"/>
           </a:p>
@@ -3685,8 +3685,8 @@
           </a:p>
         </p:txBody>
       </p:sp>
-      <mc:AlternateContent xmlns:mc="http://schemas.openxmlformats.org/markup-compatibility/2006">
-        <mc:Choice xmlns:a14="http://schemas.microsoft.com/office/drawing/2010/main" Requires="a14">
+      <mc:AlternateContent xmlns:mc="http://schemas.openxmlformats.org/markup-compatibility/2006" xmlns:a14="http://schemas.microsoft.com/office/drawing/2010/main">
+        <mc:Choice Requires="a14">
           <p:sp>
             <p:nvSpPr>
               <p:cNvPr id="3" name="내용 개체 틀 2">
@@ -3754,7 +3754,7 @@
             </p:txBody>
           </p:sp>
         </mc:Choice>
-        <mc:Fallback>
+        <mc:Fallback xmlns="">
           <p:sp>
             <p:nvSpPr>
               <p:cNvPr id="3" name="내용 개체 틀 2">
@@ -3853,8 +3853,8 @@
           </a:p>
         </p:txBody>
       </p:sp>
-      <mc:AlternateContent xmlns:mc="http://schemas.openxmlformats.org/markup-compatibility/2006">
-        <mc:Choice xmlns:a14="http://schemas.microsoft.com/office/drawing/2010/main" Requires="a14">
+      <mc:AlternateContent xmlns:mc="http://schemas.openxmlformats.org/markup-compatibility/2006" xmlns:a14="http://schemas.microsoft.com/office/drawing/2010/main">
+        <mc:Choice Requires="a14">
           <p:sp>
             <p:nvSpPr>
               <p:cNvPr id="3" name="내용 개체 틀 2">
@@ -3953,7 +3953,7 @@
             </p:txBody>
           </p:sp>
         </mc:Choice>
-        <mc:Fallback>
+        <mc:Fallback xmlns="">
           <p:sp>
             <p:nvSpPr>
               <p:cNvPr id="3" name="내용 개체 틀 2">
@@ -4441,8 +4441,8 @@
           </a:p>
         </p:txBody>
       </p:sp>
-      <mc:AlternateContent xmlns:mc="http://schemas.openxmlformats.org/markup-compatibility/2006">
-        <mc:Choice xmlns:a14="http://schemas.microsoft.com/office/drawing/2010/main" Requires="a14">
+      <mc:AlternateContent xmlns:mc="http://schemas.openxmlformats.org/markup-compatibility/2006" xmlns:a14="http://schemas.microsoft.com/office/drawing/2010/main">
+        <mc:Choice Requires="a14">
           <p:sp>
             <p:nvSpPr>
               <p:cNvPr id="5" name="TextBox 4">
@@ -4562,7 +4562,7 @@
             </p:txBody>
           </p:sp>
         </mc:Choice>
-        <mc:Fallback>
+        <mc:Fallback xmlns="">
           <p:sp>
             <p:nvSpPr>
               <p:cNvPr id="5" name="TextBox 4">
@@ -4995,8 +4995,8 @@
           </a:p>
         </p:txBody>
       </p:sp>
-      <mc:AlternateContent xmlns:mc="http://schemas.openxmlformats.org/markup-compatibility/2006">
-        <mc:Choice xmlns:a14="http://schemas.microsoft.com/office/drawing/2010/main" Requires="a14">
+      <mc:AlternateContent xmlns:mc="http://schemas.openxmlformats.org/markup-compatibility/2006" xmlns:a14="http://schemas.microsoft.com/office/drawing/2010/main">
+        <mc:Choice Requires="a14">
           <p:sp>
             <p:nvSpPr>
               <p:cNvPr id="6" name="TextBox 5">
@@ -5184,7 +5184,7 @@
             </p:txBody>
           </p:sp>
         </mc:Choice>
-        <mc:Fallback>
+        <mc:Fallback xmlns="">
           <p:sp>
             <p:nvSpPr>
               <p:cNvPr id="6" name="TextBox 5">
@@ -5283,8 +5283,8 @@
           </a:p>
         </p:txBody>
       </p:sp>
-      <mc:AlternateContent xmlns:mc="http://schemas.openxmlformats.org/markup-compatibility/2006">
-        <mc:Choice xmlns:a14="http://schemas.microsoft.com/office/drawing/2010/main" Requires="a14">
+      <mc:AlternateContent xmlns:mc="http://schemas.openxmlformats.org/markup-compatibility/2006" xmlns:a14="http://schemas.microsoft.com/office/drawing/2010/main">
+        <mc:Choice Requires="a14">
           <p:sp>
             <p:nvSpPr>
               <p:cNvPr id="8" name="TextBox 7">
@@ -5348,7 +5348,7 @@
             </p:txBody>
           </p:sp>
         </mc:Choice>
-        <mc:Fallback>
+        <mc:Fallback xmlns="">
           <p:sp>
             <p:nvSpPr>
               <p:cNvPr id="8" name="TextBox 7">
@@ -5393,8 +5393,8 @@
           </p:sp>
         </mc:Fallback>
       </mc:AlternateContent>
-      <mc:AlternateContent xmlns:mc="http://schemas.openxmlformats.org/markup-compatibility/2006">
-        <mc:Choice xmlns:a14="http://schemas.microsoft.com/office/drawing/2010/main" Requires="a14">
+      <mc:AlternateContent xmlns:mc="http://schemas.openxmlformats.org/markup-compatibility/2006" xmlns:a14="http://schemas.microsoft.com/office/drawing/2010/main">
+        <mc:Choice Requires="a14">
           <p:sp>
             <p:nvSpPr>
               <p:cNvPr id="9" name="TextBox 8">
@@ -5579,7 +5579,7 @@
             </p:txBody>
           </p:sp>
         </mc:Choice>
-        <mc:Fallback>
+        <mc:Fallback xmlns="">
           <p:sp>
             <p:nvSpPr>
               <p:cNvPr id="9" name="TextBox 8">
@@ -5662,7 +5662,7 @@
                     <a:latin typeface="Times New Roman" panose="02020603050405020304" pitchFamily="18" charset="0"/>
                     <a:cs typeface="Times New Roman" panose="02020603050405020304" pitchFamily="18" charset="0"/>
                   </a:rPr>
-                  <a:t>TF is convolved with the input</a:t>
+                  <a:t>TF is convolved with the input!</a:t>
                 </a:r>
               </a:p>
               <a:p>
@@ -5740,7 +5740,7 @@
                     <a:latin typeface="Times New Roman" panose="02020603050405020304" pitchFamily="18" charset="0"/>
                     <a:cs typeface="Times New Roman" panose="02020603050405020304" pitchFamily="18" charset="0"/>
                   </a:rPr>
-                  <a:t>Since it just does move signal</a:t>
+                  <a:t>Since it just moves signal</a:t>
                 </a:r>
               </a:p>
             </p:txBody>
@@ -5772,7 +5772,7 @@
               <a:blipFill>
                 <a:blip r:embed="rId6"/>
                 <a:stretch>
-                  <a:fillRect l="-1600" t="-3974" r="-400" b="-9934"/>
+                  <a:fillRect l="-1600" t="-3974" r="-2600" b="-9934"/>
                 </a:stretch>
               </a:blipFill>
             </p:spPr>
@@ -6821,8 +6821,8 @@
           </a:p>
         </p:txBody>
       </p:sp>
-      <mc:AlternateContent xmlns:mc="http://schemas.openxmlformats.org/markup-compatibility/2006">
-        <mc:Choice xmlns:a14="http://schemas.microsoft.com/office/drawing/2010/main" Requires="a14">
+      <mc:AlternateContent xmlns:mc="http://schemas.openxmlformats.org/markup-compatibility/2006" xmlns:a14="http://schemas.microsoft.com/office/drawing/2010/main">
+        <mc:Choice Requires="a14">
           <p:sp>
             <p:nvSpPr>
               <p:cNvPr id="3" name="내용 개체 틀 2">
@@ -7053,7 +7053,7 @@
             </p:txBody>
           </p:sp>
         </mc:Choice>
-        <mc:Fallback>
+        <mc:Fallback xmlns="">
           <p:sp>
             <p:nvSpPr>
               <p:cNvPr id="3" name="내용 개체 틀 2">
@@ -8780,8 +8780,8 @@
           </a:p>
         </p:txBody>
       </p:sp>
-      <mc:AlternateContent xmlns:mc="http://schemas.openxmlformats.org/markup-compatibility/2006">
-        <mc:Choice xmlns:a14="http://schemas.microsoft.com/office/drawing/2010/main" Requires="a14">
+      <mc:AlternateContent xmlns:mc="http://schemas.openxmlformats.org/markup-compatibility/2006" xmlns:a14="http://schemas.microsoft.com/office/drawing/2010/main">
+        <mc:Choice Requires="a14">
           <p:sp>
             <p:nvSpPr>
               <p:cNvPr id="3" name="내용 개체 틀 2">
@@ -9025,7 +9025,7 @@
             </p:txBody>
           </p:sp>
         </mc:Choice>
-        <mc:Fallback>
+        <mc:Fallback xmlns="">
           <p:sp>
             <p:nvSpPr>
               <p:cNvPr id="3" name="내용 개체 틀 2">
@@ -9276,8 +9276,8 @@
           </a:p>
         </p:txBody>
       </p:sp>
-      <mc:AlternateContent xmlns:mc="http://schemas.openxmlformats.org/markup-compatibility/2006">
-        <mc:Choice xmlns:a14="http://schemas.microsoft.com/office/drawing/2010/main" Requires="a14">
+      <mc:AlternateContent xmlns:mc="http://schemas.openxmlformats.org/markup-compatibility/2006" xmlns:a14="http://schemas.microsoft.com/office/drawing/2010/main">
+        <mc:Choice Requires="a14">
           <p:sp>
             <p:nvSpPr>
               <p:cNvPr id="3" name="내용 개체 틀 2">
@@ -9509,7 +9509,7 @@
             </p:txBody>
           </p:sp>
         </mc:Choice>
-        <mc:Fallback>
+        <mc:Fallback xmlns="">
           <p:sp>
             <p:nvSpPr>
               <p:cNvPr id="3" name="내용 개체 틀 2">
@@ -9649,8 +9649,8 @@
           </a:p>
         </p:txBody>
       </p:sp>
-      <mc:AlternateContent xmlns:mc="http://schemas.openxmlformats.org/markup-compatibility/2006">
-        <mc:Choice xmlns:a14="http://schemas.microsoft.com/office/drawing/2010/main" Requires="a14">
+      <mc:AlternateContent xmlns:mc="http://schemas.openxmlformats.org/markup-compatibility/2006" xmlns:a14="http://schemas.microsoft.com/office/drawing/2010/main">
+        <mc:Choice Requires="a14">
           <p:sp>
             <p:nvSpPr>
               <p:cNvPr id="3" name="내용 개체 틀 2">
@@ -9759,7 +9759,7 @@
             </p:txBody>
           </p:sp>
         </mc:Choice>
-        <mc:Fallback>
+        <mc:Fallback xmlns="">
           <p:sp>
             <p:nvSpPr>
               <p:cNvPr id="3" name="내용 개체 틀 2">
@@ -10404,8 +10404,8 @@
           </a:p>
         </p:txBody>
       </p:sp>
-      <mc:AlternateContent xmlns:mc="http://schemas.openxmlformats.org/markup-compatibility/2006">
-        <mc:Choice xmlns:a14="http://schemas.microsoft.com/office/drawing/2010/main" Requires="a14">
+      <mc:AlternateContent xmlns:mc="http://schemas.openxmlformats.org/markup-compatibility/2006" xmlns:a14="http://schemas.microsoft.com/office/drawing/2010/main">
+        <mc:Choice Requires="a14">
           <p:sp>
             <p:nvSpPr>
               <p:cNvPr id="3" name="내용 개체 틀 2">
@@ -10821,7 +10821,7 @@
             </p:txBody>
           </p:sp>
         </mc:Choice>
-        <mc:Fallback>
+        <mc:Fallback xmlns="">
           <p:sp>
             <p:nvSpPr>
               <p:cNvPr id="3" name="내용 개체 틀 2">
@@ -10950,8 +10950,8 @@
           </a:prstGeom>
         </p:spPr>
       </p:pic>
-      <mc:AlternateContent xmlns:mc="http://schemas.openxmlformats.org/markup-compatibility/2006">
-        <mc:Choice xmlns:a14="http://schemas.microsoft.com/office/drawing/2010/main" Requires="a14">
+      <mc:AlternateContent xmlns:mc="http://schemas.openxmlformats.org/markup-compatibility/2006" xmlns:a14="http://schemas.microsoft.com/office/drawing/2010/main">
+        <mc:Choice Requires="a14">
           <p:sp>
             <p:nvSpPr>
               <p:cNvPr id="10" name="TextBox 9">
@@ -11105,7 +11105,7 @@
             </p:txBody>
           </p:sp>
         </mc:Choice>
-        <mc:Fallback>
+        <mc:Fallback xmlns="">
           <p:sp>
             <p:nvSpPr>
               <p:cNvPr id="10" name="TextBox 9">
@@ -12485,8 +12485,8 @@
           </a:p>
         </p:txBody>
       </p:sp>
-      <mc:AlternateContent xmlns:mc="http://schemas.openxmlformats.org/markup-compatibility/2006">
-        <mc:Choice xmlns:a14="http://schemas.microsoft.com/office/drawing/2010/main" Requires="a14">
+      <mc:AlternateContent xmlns:mc="http://schemas.openxmlformats.org/markup-compatibility/2006" xmlns:a14="http://schemas.microsoft.com/office/drawing/2010/main">
+        <mc:Choice Requires="a14">
           <p:sp>
             <p:nvSpPr>
               <p:cNvPr id="3" name="내용 개체 틀 2">
@@ -13069,7 +13069,7 @@
             </p:txBody>
           </p:sp>
         </mc:Choice>
-        <mc:Fallback>
+        <mc:Fallback xmlns="">
           <p:sp>
             <p:nvSpPr>
               <p:cNvPr id="3" name="내용 개체 틀 2">
@@ -13168,8 +13168,8 @@
           </a:p>
         </p:txBody>
       </p:sp>
-      <mc:AlternateContent xmlns:mc="http://schemas.openxmlformats.org/markup-compatibility/2006">
-        <mc:Choice xmlns:a14="http://schemas.microsoft.com/office/drawing/2010/main" Requires="a14">
+      <mc:AlternateContent xmlns:mc="http://schemas.openxmlformats.org/markup-compatibility/2006" xmlns:a14="http://schemas.microsoft.com/office/drawing/2010/main">
+        <mc:Choice Requires="a14">
           <p:sp>
             <p:nvSpPr>
               <p:cNvPr id="3" name="내용 개체 틀 2">
@@ -13474,7 +13474,7 @@
             </p:txBody>
           </p:sp>
         </mc:Choice>
-        <mc:Fallback>
+        <mc:Fallback xmlns="">
           <p:sp>
             <p:nvSpPr>
               <p:cNvPr id="3" name="내용 개체 틀 2">
@@ -13699,8 +13699,8 @@
           </a:fontRef>
         </p:style>
       </p:cxnSp>
-      <mc:AlternateContent xmlns:mc="http://schemas.openxmlformats.org/markup-compatibility/2006">
-        <mc:Choice xmlns:a14="http://schemas.microsoft.com/office/drawing/2010/main" Requires="a14">
+      <mc:AlternateContent xmlns:mc="http://schemas.openxmlformats.org/markup-compatibility/2006" xmlns:a14="http://schemas.microsoft.com/office/drawing/2010/main">
+        <mc:Choice Requires="a14">
           <p:sp>
             <p:nvSpPr>
               <p:cNvPr id="7" name="TextBox 6">
@@ -13831,7 +13831,7 @@
             </p:txBody>
           </p:sp>
         </mc:Choice>
-        <mc:Fallback>
+        <mc:Fallback xmlns="">
           <p:sp>
             <p:nvSpPr>
               <p:cNvPr id="7" name="TextBox 6">
@@ -13923,8 +13923,8 @@
           </a:extLst>
         </p:spPr>
       </p:pic>
-      <mc:AlternateContent xmlns:mc="http://schemas.openxmlformats.org/markup-compatibility/2006">
-        <mc:Choice xmlns:a14="http://schemas.microsoft.com/office/drawing/2010/main" Requires="a14">
+      <mc:AlternateContent xmlns:mc="http://schemas.openxmlformats.org/markup-compatibility/2006" xmlns:a14="http://schemas.microsoft.com/office/drawing/2010/main">
+        <mc:Choice Requires="a14">
           <p:sp>
             <p:nvSpPr>
               <p:cNvPr id="10" name="TextBox 9">
@@ -14024,7 +14024,7 @@
             </p:txBody>
           </p:sp>
         </mc:Choice>
-        <mc:Fallback>
+        <mc:Fallback xmlns="">
           <p:sp>
             <p:nvSpPr>
               <p:cNvPr id="10" name="TextBox 9">
